--- a/Lecture_Workshop_6Nov2022.pptx
+++ b/Lecture_Workshop_6Nov2022.pptx
@@ -318,7 +318,7 @@
           <a:p>
             <a:fld id="{980EBB5D-9031-47D5-8CFF-0A2E1E917DEF}" type="datetimeFigureOut">
               <a:rPr lang="en-US" smtClean="0"/>
-              <a:t>11/4/2022</a:t>
+              <a:t>11/6/2022</a:t>
             </a:fld>
             <a:endParaRPr lang="en-US"/>
           </a:p>
@@ -714,7 +714,7 @@
           <a:p>
             <a:fld id="{FABC2BAB-F93F-429F-8876-969A53B5E2F3}" type="datetimeFigureOut">
               <a:rPr lang="en-US" smtClean="0"/>
-              <a:t>11/4/2022</a:t>
+              <a:t>11/6/2022</a:t>
             </a:fld>
             <a:endParaRPr lang="en-US"/>
           </a:p>
@@ -882,7 +882,7 @@
           <a:p>
             <a:fld id="{FABC2BAB-F93F-429F-8876-969A53B5E2F3}" type="datetimeFigureOut">
               <a:rPr lang="en-US" smtClean="0"/>
-              <a:t>11/4/2022</a:t>
+              <a:t>11/6/2022</a:t>
             </a:fld>
             <a:endParaRPr lang="en-US"/>
           </a:p>
@@ -1060,7 +1060,7 @@
           <a:p>
             <a:fld id="{FABC2BAB-F93F-429F-8876-969A53B5E2F3}" type="datetimeFigureOut">
               <a:rPr lang="en-US" smtClean="0"/>
-              <a:t>11/4/2022</a:t>
+              <a:t>11/6/2022</a:t>
             </a:fld>
             <a:endParaRPr lang="en-US"/>
           </a:p>
@@ -1228,7 +1228,7 @@
           <a:p>
             <a:fld id="{FABC2BAB-F93F-429F-8876-969A53B5E2F3}" type="datetimeFigureOut">
               <a:rPr lang="en-US" smtClean="0"/>
-              <a:t>11/4/2022</a:t>
+              <a:t>11/6/2022</a:t>
             </a:fld>
             <a:endParaRPr lang="en-US"/>
           </a:p>
@@ -1473,7 +1473,7 @@
           <a:p>
             <a:fld id="{FABC2BAB-F93F-429F-8876-969A53B5E2F3}" type="datetimeFigureOut">
               <a:rPr lang="en-US" smtClean="0"/>
-              <a:t>11/4/2022</a:t>
+              <a:t>11/6/2022</a:t>
             </a:fld>
             <a:endParaRPr lang="en-US"/>
           </a:p>
@@ -1702,7 +1702,7 @@
           <a:p>
             <a:fld id="{FABC2BAB-F93F-429F-8876-969A53B5E2F3}" type="datetimeFigureOut">
               <a:rPr lang="en-US" smtClean="0"/>
-              <a:t>11/4/2022</a:t>
+              <a:t>11/6/2022</a:t>
             </a:fld>
             <a:endParaRPr lang="en-US"/>
           </a:p>
@@ -2066,7 +2066,7 @@
           <a:p>
             <a:fld id="{FABC2BAB-F93F-429F-8876-969A53B5E2F3}" type="datetimeFigureOut">
               <a:rPr lang="en-US" smtClean="0"/>
-              <a:t>11/4/2022</a:t>
+              <a:t>11/6/2022</a:t>
             </a:fld>
             <a:endParaRPr lang="en-US"/>
           </a:p>
@@ -2183,7 +2183,7 @@
           <a:p>
             <a:fld id="{FABC2BAB-F93F-429F-8876-969A53B5E2F3}" type="datetimeFigureOut">
               <a:rPr lang="en-US" smtClean="0"/>
-              <a:t>11/4/2022</a:t>
+              <a:t>11/6/2022</a:t>
             </a:fld>
             <a:endParaRPr lang="en-US"/>
           </a:p>
@@ -2278,7 +2278,7 @@
           <a:p>
             <a:fld id="{FABC2BAB-F93F-429F-8876-969A53B5E2F3}" type="datetimeFigureOut">
               <a:rPr lang="en-US" smtClean="0"/>
-              <a:t>11/4/2022</a:t>
+              <a:t>11/6/2022</a:t>
             </a:fld>
             <a:endParaRPr lang="en-US"/>
           </a:p>
@@ -2553,7 +2553,7 @@
           <a:p>
             <a:fld id="{FABC2BAB-F93F-429F-8876-969A53B5E2F3}" type="datetimeFigureOut">
               <a:rPr lang="en-US" smtClean="0"/>
-              <a:t>11/4/2022</a:t>
+              <a:t>11/6/2022</a:t>
             </a:fld>
             <a:endParaRPr lang="en-US"/>
           </a:p>
@@ -2805,7 +2805,7 @@
           <a:p>
             <a:fld id="{FABC2BAB-F93F-429F-8876-969A53B5E2F3}" type="datetimeFigureOut">
               <a:rPr lang="en-US" smtClean="0"/>
-              <a:t>11/4/2022</a:t>
+              <a:t>11/6/2022</a:t>
             </a:fld>
             <a:endParaRPr lang="en-US"/>
           </a:p>
@@ -3016,7 +3016,7 @@
           <a:p>
             <a:fld id="{FABC2BAB-F93F-429F-8876-969A53B5E2F3}" type="datetimeFigureOut">
               <a:rPr lang="en-US" smtClean="0"/>
-              <a:t>11/4/2022</a:t>
+              <a:t>11/6/2022</a:t>
             </a:fld>
             <a:endParaRPr lang="en-US"/>
           </a:p>
@@ -3513,7 +3513,7 @@
             </a:r>
             <a:r>
               <a:rPr lang="en-US" b="1" dirty="0"/>
-              <a:t> Adeyemi**</a:t>
+              <a:t> Adeyemi, MBChB, MPH, PhD **</a:t>
             </a:r>
           </a:p>
           <a:p>
@@ -3813,8 +3813,8 @@
           </a:p>
         </p:txBody>
       </p:sp>
-      <mc:AlternateContent xmlns:mc="http://schemas.openxmlformats.org/markup-compatibility/2006">
-        <mc:Choice xmlns:a14="http://schemas.microsoft.com/office/drawing/2010/main" Requires="a14">
+      <mc:AlternateContent xmlns:mc="http://schemas.openxmlformats.org/markup-compatibility/2006" xmlns:a14="http://schemas.microsoft.com/office/drawing/2010/main">
+        <mc:Choice Requires="a14">
           <p:sp>
             <p:nvSpPr>
               <p:cNvPr id="3" name="Content Placeholder 2"/>
@@ -3861,6 +3861,7 @@
                     <m:r>
                       <a:rPr lang="en-US" sz="2400" i="1">
                         <a:effectLst/>
+                        <a:latin typeface="Cambria Math" panose="02040503050406030204" pitchFamily="18" charset="0"/>
                         <a:ea typeface="Calibri" panose="020F0502020204030204" pitchFamily="34" charset="0"/>
                         <a:cs typeface="Arial" panose="020B0604020202020204" pitchFamily="34" charset="0"/>
                       </a:rPr>
@@ -3871,6 +3872,7 @@
                         <m:ctrlPr>
                           <a:rPr lang="en-US" sz="2400" i="1">
                             <a:effectLst/>
+                            <a:latin typeface="Cambria Math" panose="02040503050406030204" pitchFamily="18" charset="0"/>
                             <a:ea typeface="Calibri" panose="020F0502020204030204" pitchFamily="34" charset="0"/>
                             <a:cs typeface="Arial" panose="020B0604020202020204" pitchFamily="34" charset="0"/>
                           </a:rPr>
@@ -3882,6 +3884,7 @@
                             <m:ctrlPr>
                               <a:rPr lang="en-US" sz="2400" i="1">
                                 <a:effectLst/>
+                                <a:latin typeface="Cambria Math" panose="02040503050406030204" pitchFamily="18" charset="0"/>
                                 <a:ea typeface="Calibri" panose="020F0502020204030204" pitchFamily="34" charset="0"/>
                                 <a:cs typeface="Arial" panose="020B0604020202020204" pitchFamily="34" charset="0"/>
                               </a:rPr>
@@ -3891,6 +3894,7 @@
                             <m:r>
                               <a:rPr lang="en-US" sz="2400" i="1">
                                 <a:effectLst/>
+                                <a:latin typeface="Cambria Math" panose="02040503050406030204" pitchFamily="18" charset="0"/>
                                 <a:ea typeface="Calibri" panose="020F0502020204030204" pitchFamily="34" charset="0"/>
                                 <a:cs typeface="Arial" panose="020B0604020202020204" pitchFamily="34" charset="0"/>
                               </a:rPr>
@@ -3901,6 +3905,7 @@
                             <m:r>
                               <a:rPr lang="en-US" sz="2400" i="1">
                                 <a:effectLst/>
+                                <a:latin typeface="Cambria Math" panose="02040503050406030204" pitchFamily="18" charset="0"/>
                                 <a:ea typeface="Calibri" panose="020F0502020204030204" pitchFamily="34" charset="0"/>
                                 <a:cs typeface="Arial" panose="020B0604020202020204" pitchFamily="34" charset="0"/>
                               </a:rPr>
@@ -3970,6 +3975,7 @@
                     <m:r>
                       <a:rPr lang="en-US" sz="2400" i="1">
                         <a:effectLst/>
+                        <a:latin typeface="Cambria Math" panose="02040503050406030204" pitchFamily="18" charset="0"/>
                         <a:ea typeface="Calibri" panose="020F0502020204030204" pitchFamily="34" charset="0"/>
                         <a:cs typeface="Arial" panose="020B0604020202020204" pitchFamily="34" charset="0"/>
                       </a:rPr>
@@ -3980,6 +3986,7 @@
                         <m:ctrlPr>
                           <a:rPr lang="en-US" sz="2400" i="1">
                             <a:effectLst/>
+                            <a:latin typeface="Cambria Math" panose="02040503050406030204" pitchFamily="18" charset="0"/>
                             <a:ea typeface="Calibri" panose="020F0502020204030204" pitchFamily="34" charset="0"/>
                             <a:cs typeface="Arial" panose="020B0604020202020204" pitchFamily="34" charset="0"/>
                           </a:rPr>
@@ -3991,6 +3998,7 @@
                             <m:ctrlPr>
                               <a:rPr lang="en-US" sz="2400" i="1">
                                 <a:effectLst/>
+                                <a:latin typeface="Cambria Math" panose="02040503050406030204" pitchFamily="18" charset="0"/>
                                 <a:ea typeface="Calibri" panose="020F0502020204030204" pitchFamily="34" charset="0"/>
                                 <a:cs typeface="Arial" panose="020B0604020202020204" pitchFamily="34" charset="0"/>
                               </a:rPr>
@@ -4000,6 +4008,7 @@
                             <m:r>
                               <a:rPr lang="en-US" sz="2400" i="1">
                                 <a:effectLst/>
+                                <a:latin typeface="Cambria Math" panose="02040503050406030204" pitchFamily="18" charset="0"/>
                                 <a:ea typeface="Calibri" panose="020F0502020204030204" pitchFamily="34" charset="0"/>
                                 <a:cs typeface="Arial" panose="020B0604020202020204" pitchFamily="34" charset="0"/>
                               </a:rPr>
@@ -4010,6 +4019,7 @@
                             <m:r>
                               <a:rPr lang="en-US" sz="2400" i="1">
                                 <a:effectLst/>
+                                <a:latin typeface="Cambria Math" panose="02040503050406030204" pitchFamily="18" charset="0"/>
                                 <a:ea typeface="Calibri" panose="020F0502020204030204" pitchFamily="34" charset="0"/>
                                 <a:cs typeface="Arial" panose="020B0604020202020204" pitchFamily="34" charset="0"/>
                               </a:rPr>
@@ -4022,6 +4032,7 @@
                     <m:r>
                       <a:rPr lang="en-US" sz="2400" i="1">
                         <a:effectLst/>
+                        <a:latin typeface="Cambria Math" panose="02040503050406030204" pitchFamily="18" charset="0"/>
                         <a:ea typeface="Calibri" panose="020F0502020204030204" pitchFamily="34" charset="0"/>
                         <a:cs typeface="Arial" panose="020B0604020202020204" pitchFamily="34" charset="0"/>
                       </a:rPr>
@@ -4042,6 +4053,7 @@
                     <m:r>
                       <a:rPr lang="en-US" sz="2400" i="1">
                         <a:effectLst/>
+                        <a:latin typeface="Cambria Math" panose="02040503050406030204" pitchFamily="18" charset="0"/>
                         <a:ea typeface="Calibri" panose="020F0502020204030204" pitchFamily="34" charset="0"/>
                         <a:cs typeface="Arial" panose="020B0604020202020204" pitchFamily="34" charset="0"/>
                       </a:rPr>
@@ -4052,6 +4064,7 @@
                         <m:ctrlPr>
                           <a:rPr lang="en-US" sz="2400" i="1">
                             <a:effectLst/>
+                            <a:latin typeface="Cambria Math" panose="02040503050406030204" pitchFamily="18" charset="0"/>
                             <a:ea typeface="Calibri" panose="020F0502020204030204" pitchFamily="34" charset="0"/>
                             <a:cs typeface="Arial" panose="020B0604020202020204" pitchFamily="34" charset="0"/>
                           </a:rPr>
@@ -4063,6 +4076,7 @@
                             <m:ctrlPr>
                               <a:rPr lang="en-US" sz="2400" i="1">
                                 <a:effectLst/>
+                                <a:latin typeface="Cambria Math" panose="02040503050406030204" pitchFamily="18" charset="0"/>
                                 <a:ea typeface="Calibri" panose="020F0502020204030204" pitchFamily="34" charset="0"/>
                                 <a:cs typeface="Arial" panose="020B0604020202020204" pitchFamily="34" charset="0"/>
                               </a:rPr>
@@ -4072,6 +4086,7 @@
                             <m:r>
                               <a:rPr lang="en-US" sz="2400" i="1">
                                 <a:effectLst/>
+                                <a:latin typeface="Cambria Math" panose="02040503050406030204" pitchFamily="18" charset="0"/>
                                 <a:ea typeface="Calibri" panose="020F0502020204030204" pitchFamily="34" charset="0"/>
                                 <a:cs typeface="Arial" panose="020B0604020202020204" pitchFamily="34" charset="0"/>
                               </a:rPr>
@@ -4082,6 +4097,7 @@
                             <m:r>
                               <a:rPr lang="en-US" sz="2400" i="1">
                                 <a:effectLst/>
+                                <a:latin typeface="Cambria Math" panose="02040503050406030204" pitchFamily="18" charset="0"/>
                                 <a:ea typeface="Calibri" panose="020F0502020204030204" pitchFamily="34" charset="0"/>
                                 <a:cs typeface="Arial" panose="020B0604020202020204" pitchFamily="34" charset="0"/>
                               </a:rPr>
@@ -4094,6 +4110,7 @@
                     <m:r>
                       <a:rPr lang="en-US" sz="2400" i="1">
                         <a:effectLst/>
+                        <a:latin typeface="Cambria Math" panose="02040503050406030204" pitchFamily="18" charset="0"/>
                         <a:ea typeface="Calibri" panose="020F0502020204030204" pitchFamily="34" charset="0"/>
                         <a:cs typeface="Arial" panose="020B0604020202020204" pitchFamily="34" charset="0"/>
                       </a:rPr>
@@ -4116,6 +4133,7 @@
                         <m:ctrlPr>
                           <a:rPr lang="en-US" sz="2400" i="1">
                             <a:effectLst/>
+                            <a:latin typeface="Cambria Math" panose="02040503050406030204" pitchFamily="18" charset="0"/>
                             <a:ea typeface="Calibri" panose="020F0502020204030204" pitchFamily="34" charset="0"/>
                             <a:cs typeface="Arial" panose="020B0604020202020204" pitchFamily="34" charset="0"/>
                           </a:rPr>
@@ -4125,6 +4143,7 @@
                         <m:r>
                           <a:rPr lang="en-US" sz="2400" i="1">
                             <a:effectLst/>
+                            <a:latin typeface="Cambria Math" panose="02040503050406030204" pitchFamily="18" charset="0"/>
                             <a:ea typeface="Calibri" panose="020F0502020204030204" pitchFamily="34" charset="0"/>
                             <a:cs typeface="Arial" panose="020B0604020202020204" pitchFamily="34" charset="0"/>
                           </a:rPr>
@@ -4133,6 +4152,7 @@
                         <m:r>
                           <a:rPr lang="en-US" sz="2400" i="1">
                             <a:effectLst/>
+                            <a:latin typeface="Cambria Math" panose="02040503050406030204" pitchFamily="18" charset="0"/>
                             <a:ea typeface="Calibri" panose="020F0502020204030204" pitchFamily="34" charset="0"/>
                             <a:cs typeface="Arial" panose="020B0604020202020204" pitchFamily="34" charset="0"/>
                           </a:rPr>
@@ -4143,6 +4163,7 @@
                         <m:r>
                           <a:rPr lang="en-US" sz="2400" i="1">
                             <a:effectLst/>
+                            <a:latin typeface="Cambria Math" panose="02040503050406030204" pitchFamily="18" charset="0"/>
                             <a:ea typeface="Calibri" panose="020F0502020204030204" pitchFamily="34" charset="0"/>
                             <a:cs typeface="Arial" panose="020B0604020202020204" pitchFamily="34" charset="0"/>
                           </a:rPr>
@@ -4191,6 +4212,7 @@
                         <m:ctrlPr>
                           <a:rPr lang="en-US" sz="2400" i="1">
                             <a:effectLst/>
+                            <a:latin typeface="Cambria Math" panose="02040503050406030204" pitchFamily="18" charset="0"/>
                             <a:ea typeface="Calibri" panose="020F0502020204030204" pitchFamily="34" charset="0"/>
                             <a:cs typeface="Arial" panose="020B0604020202020204" pitchFamily="34" charset="0"/>
                           </a:rPr>
@@ -4200,6 +4222,7 @@
                         <m:r>
                           <a:rPr lang="en-US" sz="2400" i="1">
                             <a:effectLst/>
+                            <a:latin typeface="Cambria Math" panose="02040503050406030204" pitchFamily="18" charset="0"/>
                             <a:ea typeface="Calibri" panose="020F0502020204030204" pitchFamily="34" charset="0"/>
                             <a:cs typeface="Arial" panose="020B0604020202020204" pitchFamily="34" charset="0"/>
                           </a:rPr>
@@ -4208,6 +4231,7 @@
                         <m:r>
                           <a:rPr lang="en-US" sz="2400" i="1">
                             <a:effectLst/>
+                            <a:latin typeface="Cambria Math" panose="02040503050406030204" pitchFamily="18" charset="0"/>
                             <a:ea typeface="Calibri" panose="020F0502020204030204" pitchFamily="34" charset="0"/>
                             <a:cs typeface="Arial" panose="020B0604020202020204" pitchFamily="34" charset="0"/>
                           </a:rPr>
@@ -4216,6 +4240,7 @@
                         <m:r>
                           <a:rPr lang="en-US" sz="2400" i="1">
                             <a:effectLst/>
+                            <a:latin typeface="Cambria Math" panose="02040503050406030204" pitchFamily="18" charset="0"/>
                             <a:ea typeface="Calibri" panose="020F0502020204030204" pitchFamily="34" charset="0"/>
                             <a:cs typeface="Arial" panose="020B0604020202020204" pitchFamily="34" charset="0"/>
                           </a:rPr>
@@ -4226,6 +4251,7 @@
                         <m:r>
                           <a:rPr lang="en-US" sz="2400" i="1">
                             <a:effectLst/>
+                            <a:latin typeface="Cambria Math" panose="02040503050406030204" pitchFamily="18" charset="0"/>
                             <a:ea typeface="Calibri" panose="020F0502020204030204" pitchFamily="34" charset="0"/>
                             <a:cs typeface="Arial" panose="020B0604020202020204" pitchFamily="34" charset="0"/>
                           </a:rPr>
@@ -4236,6 +4262,7 @@
                     <m:r>
                       <a:rPr lang="en-US" sz="2400" i="1">
                         <a:effectLst/>
+                        <a:latin typeface="Cambria Math" panose="02040503050406030204" pitchFamily="18" charset="0"/>
                         <a:ea typeface="Calibri" panose="020F0502020204030204" pitchFamily="34" charset="0"/>
                         <a:cs typeface="Arial" panose="020B0604020202020204" pitchFamily="34" charset="0"/>
                       </a:rPr>
@@ -4246,6 +4273,7 @@
                         <m:ctrlPr>
                           <a:rPr lang="en-US" sz="2400" i="1">
                             <a:effectLst/>
+                            <a:latin typeface="Cambria Math" panose="02040503050406030204" pitchFamily="18" charset="0"/>
                             <a:ea typeface="Calibri" panose="020F0502020204030204" pitchFamily="34" charset="0"/>
                             <a:cs typeface="Arial" panose="020B0604020202020204" pitchFamily="34" charset="0"/>
                           </a:rPr>
@@ -4255,6 +4283,7 @@
                         <m:r>
                           <a:rPr lang="en-US" sz="2400" i="1">
                             <a:effectLst/>
+                            <a:latin typeface="Cambria Math" panose="02040503050406030204" pitchFamily="18" charset="0"/>
                             <a:ea typeface="Calibri" panose="020F0502020204030204" pitchFamily="34" charset="0"/>
                             <a:cs typeface="Arial" panose="020B0604020202020204" pitchFamily="34" charset="0"/>
                           </a:rPr>
@@ -4263,6 +4292,7 @@
                         <m:r>
                           <a:rPr lang="en-US" sz="2400" i="1">
                             <a:effectLst/>
+                            <a:latin typeface="Cambria Math" panose="02040503050406030204" pitchFamily="18" charset="0"/>
                             <a:ea typeface="Calibri" panose="020F0502020204030204" pitchFamily="34" charset="0"/>
                             <a:cs typeface="Arial" panose="020B0604020202020204" pitchFamily="34" charset="0"/>
                           </a:rPr>
@@ -4271,6 +4301,7 @@
                         <m:r>
                           <a:rPr lang="en-US" sz="2400" i="1">
                             <a:effectLst/>
+                            <a:latin typeface="Cambria Math" panose="02040503050406030204" pitchFamily="18" charset="0"/>
                             <a:ea typeface="Calibri" panose="020F0502020204030204" pitchFamily="34" charset="0"/>
                             <a:cs typeface="Arial" panose="020B0604020202020204" pitchFamily="34" charset="0"/>
                           </a:rPr>
@@ -4281,6 +4312,7 @@
                         <m:r>
                           <a:rPr lang="en-US" sz="2400" i="1">
                             <a:effectLst/>
+                            <a:latin typeface="Cambria Math" panose="02040503050406030204" pitchFamily="18" charset="0"/>
                             <a:ea typeface="Calibri" panose="020F0502020204030204" pitchFamily="34" charset="0"/>
                             <a:cs typeface="Arial" panose="020B0604020202020204" pitchFamily="34" charset="0"/>
                           </a:rPr>
@@ -4291,6 +4323,7 @@
                     <m:r>
                       <a:rPr lang="en-US" sz="2400" i="1">
                         <a:effectLst/>
+                        <a:latin typeface="Cambria Math" panose="02040503050406030204" pitchFamily="18" charset="0"/>
                         <a:ea typeface="Calibri" panose="020F0502020204030204" pitchFamily="34" charset="0"/>
                         <a:cs typeface="Arial" panose="020B0604020202020204" pitchFamily="34" charset="0"/>
                       </a:rPr>
@@ -4311,6 +4344,7 @@
                     <m:r>
                       <a:rPr lang="en-US" sz="2400" i="1">
                         <a:effectLst/>
+                        <a:latin typeface="Cambria Math" panose="02040503050406030204" pitchFamily="18" charset="0"/>
                         <a:ea typeface="Calibri" panose="020F0502020204030204" pitchFamily="34" charset="0"/>
                         <a:cs typeface="Arial" panose="020B0604020202020204" pitchFamily="34" charset="0"/>
                       </a:rPr>
@@ -4321,6 +4355,7 @@
                         <m:ctrlPr>
                           <a:rPr lang="en-US" sz="2400" i="1">
                             <a:effectLst/>
+                            <a:latin typeface="Cambria Math" panose="02040503050406030204" pitchFamily="18" charset="0"/>
                             <a:ea typeface="Calibri" panose="020F0502020204030204" pitchFamily="34" charset="0"/>
                             <a:cs typeface="Arial" panose="020B0604020202020204" pitchFamily="34" charset="0"/>
                           </a:rPr>
@@ -4332,6 +4367,7 @@
                             <m:ctrlPr>
                               <a:rPr lang="en-US" sz="2400" i="1">
                                 <a:effectLst/>
+                                <a:latin typeface="Cambria Math" panose="02040503050406030204" pitchFamily="18" charset="0"/>
                                 <a:ea typeface="Calibri" panose="020F0502020204030204" pitchFamily="34" charset="0"/>
                                 <a:cs typeface="Arial" panose="020B0604020202020204" pitchFamily="34" charset="0"/>
                               </a:rPr>
@@ -4341,6 +4377,7 @@
                             <m:r>
                               <a:rPr lang="en-US" sz="2400" i="1">
                                 <a:effectLst/>
+                                <a:latin typeface="Cambria Math" panose="02040503050406030204" pitchFamily="18" charset="0"/>
                                 <a:ea typeface="Calibri" panose="020F0502020204030204" pitchFamily="34" charset="0"/>
                                 <a:cs typeface="Arial" panose="020B0604020202020204" pitchFamily="34" charset="0"/>
                               </a:rPr>
@@ -4351,6 +4388,7 @@
                             <m:r>
                               <a:rPr lang="en-US" sz="2400" i="1">
                                 <a:effectLst/>
+                                <a:latin typeface="Cambria Math" panose="02040503050406030204" pitchFamily="18" charset="0"/>
                                 <a:ea typeface="Calibri" panose="020F0502020204030204" pitchFamily="34" charset="0"/>
                                 <a:cs typeface="Arial" panose="020B0604020202020204" pitchFamily="34" charset="0"/>
                               </a:rPr>
@@ -4377,6 +4415,7 @@
                         <m:ctrlPr>
                           <a:rPr lang="en-US" sz="2400" i="1">
                             <a:effectLst/>
+                            <a:latin typeface="Cambria Math" panose="02040503050406030204" pitchFamily="18" charset="0"/>
                             <a:ea typeface="Calibri" panose="020F0502020204030204" pitchFamily="34" charset="0"/>
                             <a:cs typeface="Arial" panose="020B0604020202020204" pitchFamily="34" charset="0"/>
                           </a:rPr>
@@ -4386,6 +4425,7 @@
                         <m:r>
                           <a:rPr lang="en-US" sz="2400" i="1">
                             <a:effectLst/>
+                            <a:latin typeface="Cambria Math" panose="02040503050406030204" pitchFamily="18" charset="0"/>
                             <a:ea typeface="Calibri" panose="020F0502020204030204" pitchFamily="34" charset="0"/>
                             <a:cs typeface="Arial" panose="020B0604020202020204" pitchFamily="34" charset="0"/>
                           </a:rPr>
@@ -4396,6 +4436,7 @@
                         <m:r>
                           <a:rPr lang="en-US" sz="2400" i="1">
                             <a:effectLst/>
+                            <a:latin typeface="Cambria Math" panose="02040503050406030204" pitchFamily="18" charset="0"/>
                             <a:ea typeface="Calibri" panose="020F0502020204030204" pitchFamily="34" charset="0"/>
                             <a:cs typeface="Arial" panose="020B0604020202020204" pitchFamily="34" charset="0"/>
                           </a:rPr>
@@ -4406,6 +4447,7 @@
                     <m:r>
                       <a:rPr lang="en-US" sz="2400" i="1">
                         <a:effectLst/>
+                        <a:latin typeface="Cambria Math" panose="02040503050406030204" pitchFamily="18" charset="0"/>
                         <a:ea typeface="Calibri" panose="020F0502020204030204" pitchFamily="34" charset="0"/>
                         <a:cs typeface="Arial" panose="020B0604020202020204" pitchFamily="34" charset="0"/>
                       </a:rPr>
@@ -4447,6 +4489,7 @@
                     <m:r>
                       <a:rPr lang="en-US" sz="2400" i="1">
                         <a:effectLst/>
+                        <a:latin typeface="Cambria Math" panose="02040503050406030204" pitchFamily="18" charset="0"/>
                         <a:ea typeface="Calibri" panose="020F0502020204030204" pitchFamily="34" charset="0"/>
                         <a:cs typeface="Arial" panose="020B0604020202020204" pitchFamily="34" charset="0"/>
                       </a:rPr>
@@ -4457,6 +4500,7 @@
                         <m:ctrlPr>
                           <a:rPr lang="en-US" sz="2400" i="1">
                             <a:effectLst/>
+                            <a:latin typeface="Cambria Math" panose="02040503050406030204" pitchFamily="18" charset="0"/>
                             <a:ea typeface="Calibri" panose="020F0502020204030204" pitchFamily="34" charset="0"/>
                             <a:cs typeface="Arial" panose="020B0604020202020204" pitchFamily="34" charset="0"/>
                           </a:rPr>
@@ -4468,6 +4512,7 @@
                             <m:ctrlPr>
                               <a:rPr lang="en-US" sz="2400" i="1">
                                 <a:effectLst/>
+                                <a:latin typeface="Cambria Math" panose="02040503050406030204" pitchFamily="18" charset="0"/>
                                 <a:ea typeface="Calibri" panose="020F0502020204030204" pitchFamily="34" charset="0"/>
                                 <a:cs typeface="Arial" panose="020B0604020202020204" pitchFamily="34" charset="0"/>
                               </a:rPr>
@@ -4477,6 +4522,7 @@
                             <m:r>
                               <a:rPr lang="en-US" sz="2400" i="1">
                                 <a:effectLst/>
+                                <a:latin typeface="Cambria Math" panose="02040503050406030204" pitchFamily="18" charset="0"/>
                                 <a:ea typeface="Calibri" panose="020F0502020204030204" pitchFamily="34" charset="0"/>
                                 <a:cs typeface="Arial" panose="020B0604020202020204" pitchFamily="34" charset="0"/>
                               </a:rPr>
@@ -4487,6 +4533,7 @@
                             <m:r>
                               <a:rPr lang="en-US" sz="2400" i="1">
                                 <a:effectLst/>
+                                <a:latin typeface="Cambria Math" panose="02040503050406030204" pitchFamily="18" charset="0"/>
                                 <a:ea typeface="Calibri" panose="020F0502020204030204" pitchFamily="34" charset="0"/>
                                 <a:cs typeface="Arial" panose="020B0604020202020204" pitchFamily="34" charset="0"/>
                               </a:rPr>
@@ -4499,6 +4546,7 @@
                     <m:r>
                       <a:rPr lang="en-US" sz="2400" i="1">
                         <a:effectLst/>
+                        <a:latin typeface="Cambria Math" panose="02040503050406030204" pitchFamily="18" charset="0"/>
                         <a:ea typeface="Calibri" panose="020F0502020204030204" pitchFamily="34" charset="0"/>
                         <a:cs typeface="Arial" panose="020B0604020202020204" pitchFamily="34" charset="0"/>
                       </a:rPr>
@@ -4562,6 +4610,7 @@
                     <m:r>
                       <a:rPr lang="en-US" sz="2400" i="1">
                         <a:effectLst/>
+                        <a:latin typeface="Cambria Math" panose="02040503050406030204" pitchFamily="18" charset="0"/>
                         <a:ea typeface="Calibri" panose="020F0502020204030204" pitchFamily="34" charset="0"/>
                         <a:cs typeface="Arial" panose="020B0604020202020204" pitchFamily="34" charset="0"/>
                       </a:rPr>
@@ -4572,6 +4621,7 @@
                         <m:ctrlPr>
                           <a:rPr lang="en-US" sz="2400" i="1">
                             <a:effectLst/>
+                            <a:latin typeface="Cambria Math" panose="02040503050406030204" pitchFamily="18" charset="0"/>
                           </a:rPr>
                         </m:ctrlPr>
                       </m:dPr>
@@ -4581,6 +4631,7 @@
                             <m:ctrlPr>
                               <a:rPr lang="en-US" sz="2400" i="1">
                                 <a:effectLst/>
+                                <a:latin typeface="Cambria Math" panose="02040503050406030204" pitchFamily="18" charset="0"/>
                               </a:rPr>
                             </m:ctrlPr>
                           </m:sSubPr>
@@ -4588,6 +4639,7 @@
                             <m:r>
                               <a:rPr lang="en-US" sz="2400" i="1">
                                 <a:effectLst/>
+                                <a:latin typeface="Cambria Math" panose="02040503050406030204" pitchFamily="18" charset="0"/>
                                 <a:ea typeface="Calibri" panose="020F0502020204030204" pitchFamily="34" charset="0"/>
                                 <a:cs typeface="Arial" panose="020B0604020202020204" pitchFamily="34" charset="0"/>
                               </a:rPr>
@@ -4598,6 +4650,7 @@
                             <m:r>
                               <a:rPr lang="en-US" sz="2400" i="1">
                                 <a:effectLst/>
+                                <a:latin typeface="Cambria Math" panose="02040503050406030204" pitchFamily="18" charset="0"/>
                                 <a:ea typeface="Calibri" panose="020F0502020204030204" pitchFamily="34" charset="0"/>
                                 <a:cs typeface="Arial" panose="020B0604020202020204" pitchFamily="34" charset="0"/>
                               </a:rPr>
@@ -4624,6 +4677,7 @@
                         <m:ctrlPr>
                           <a:rPr lang="en-US" sz="2400" i="1">
                             <a:effectLst/>
+                            <a:latin typeface="Cambria Math" panose="02040503050406030204" pitchFamily="18" charset="0"/>
                           </a:rPr>
                         </m:ctrlPr>
                       </m:sSubPr>
@@ -4631,6 +4685,7 @@
                         <m:r>
                           <a:rPr lang="en-US" sz="2400" i="1">
                             <a:effectLst/>
+                            <a:latin typeface="Cambria Math" panose="02040503050406030204" pitchFamily="18" charset="0"/>
                             <a:ea typeface="Calibri" panose="020F0502020204030204" pitchFamily="34" charset="0"/>
                             <a:cs typeface="Arial" panose="020B0604020202020204" pitchFamily="34" charset="0"/>
                           </a:rPr>
@@ -4639,6 +4694,7 @@
                         <m:r>
                           <a:rPr lang="en-US" sz="2400" i="1">
                             <a:effectLst/>
+                            <a:latin typeface="Cambria Math" panose="02040503050406030204" pitchFamily="18" charset="0"/>
                             <a:ea typeface="Calibri" panose="020F0502020204030204" pitchFamily="34" charset="0"/>
                             <a:cs typeface="Arial" panose="020B0604020202020204" pitchFamily="34" charset="0"/>
                           </a:rPr>
@@ -4647,6 +4703,7 @@
                         <m:r>
                           <a:rPr lang="en-US" sz="2400" i="1">
                             <a:effectLst/>
+                            <a:latin typeface="Cambria Math" panose="02040503050406030204" pitchFamily="18" charset="0"/>
                             <a:ea typeface="Calibri" panose="020F0502020204030204" pitchFamily="34" charset="0"/>
                             <a:cs typeface="Arial" panose="020B0604020202020204" pitchFamily="34" charset="0"/>
                           </a:rPr>
@@ -4657,6 +4714,7 @@
                         <m:r>
                           <a:rPr lang="en-US" sz="2400" i="1">
                             <a:effectLst/>
+                            <a:latin typeface="Cambria Math" panose="02040503050406030204" pitchFamily="18" charset="0"/>
                             <a:ea typeface="Calibri" panose="020F0502020204030204" pitchFamily="34" charset="0"/>
                             <a:cs typeface="Arial" panose="020B0604020202020204" pitchFamily="34" charset="0"/>
                           </a:rPr>
@@ -4667,6 +4725,7 @@
                     <m:r>
                       <a:rPr lang="en-US" sz="2400" i="1">
                         <a:effectLst/>
+                        <a:latin typeface="Cambria Math" panose="02040503050406030204" pitchFamily="18" charset="0"/>
                         <a:ea typeface="Calibri" panose="020F0502020204030204" pitchFamily="34" charset="0"/>
                         <a:cs typeface="Arial" panose="020B0604020202020204" pitchFamily="34" charset="0"/>
                       </a:rPr>
@@ -4677,6 +4736,7 @@
                         <m:ctrlPr>
                           <a:rPr lang="en-US" sz="2400" i="1">
                             <a:effectLst/>
+                            <a:latin typeface="Cambria Math" panose="02040503050406030204" pitchFamily="18" charset="0"/>
                           </a:rPr>
                         </m:ctrlPr>
                       </m:sSubPr>
@@ -4686,6 +4746,7 @@
                             <m:ctrlPr>
                               <a:rPr lang="en-US" sz="2400" i="1">
                                 <a:effectLst/>
+                                <a:latin typeface="Cambria Math" panose="02040503050406030204" pitchFamily="18" charset="0"/>
                               </a:rPr>
                             </m:ctrlPr>
                           </m:sSubPr>
@@ -4693,6 +4754,7 @@
                             <m:r>
                               <a:rPr lang="en-US" sz="2400" i="1">
                                 <a:effectLst/>
+                                <a:latin typeface="Cambria Math" panose="02040503050406030204" pitchFamily="18" charset="0"/>
                                 <a:ea typeface="Calibri" panose="020F0502020204030204" pitchFamily="34" charset="0"/>
                                 <a:cs typeface="Arial" panose="020B0604020202020204" pitchFamily="34" charset="0"/>
                               </a:rPr>
@@ -4701,6 +4763,7 @@
                             <m:r>
                               <a:rPr lang="en-US" sz="2400" i="1">
                                 <a:effectLst/>
+                                <a:latin typeface="Cambria Math" panose="02040503050406030204" pitchFamily="18" charset="0"/>
                                 <a:ea typeface="Calibri" panose="020F0502020204030204" pitchFamily="34" charset="0"/>
                                 <a:cs typeface="Arial" panose="020B0604020202020204" pitchFamily="34" charset="0"/>
                               </a:rPr>
@@ -4709,6 +4772,7 @@
                             <m:r>
                               <a:rPr lang="en-US" sz="2400" i="1">
                                 <a:effectLst/>
+                                <a:latin typeface="Cambria Math" panose="02040503050406030204" pitchFamily="18" charset="0"/>
                                 <a:ea typeface="Calibri" panose="020F0502020204030204" pitchFamily="34" charset="0"/>
                                 <a:cs typeface="Arial" panose="020B0604020202020204" pitchFamily="34" charset="0"/>
                               </a:rPr>
@@ -4719,6 +4783,7 @@
                             <m:r>
                               <a:rPr lang="en-US" sz="2400" i="1">
                                 <a:effectLst/>
+                                <a:latin typeface="Cambria Math" panose="02040503050406030204" pitchFamily="18" charset="0"/>
                                 <a:ea typeface="Calibri" panose="020F0502020204030204" pitchFamily="34" charset="0"/>
                                 <a:cs typeface="Arial" panose="020B0604020202020204" pitchFamily="34" charset="0"/>
                               </a:rPr>
@@ -4729,6 +4794,7 @@
                         <m:r>
                           <a:rPr lang="en-US" sz="2400" i="1">
                             <a:effectLst/>
+                            <a:latin typeface="Cambria Math" panose="02040503050406030204" pitchFamily="18" charset="0"/>
                             <a:ea typeface="Calibri" panose="020F0502020204030204" pitchFamily="34" charset="0"/>
                             <a:cs typeface="Arial" panose="020B0604020202020204" pitchFamily="34" charset="0"/>
                           </a:rPr>
@@ -4737,6 +4803,7 @@
                         <m:r>
                           <a:rPr lang="en-US" sz="2400" i="1">
                             <a:effectLst/>
+                            <a:latin typeface="Cambria Math" panose="02040503050406030204" pitchFamily="18" charset="0"/>
                             <a:ea typeface="Calibri" panose="020F0502020204030204" pitchFamily="34" charset="0"/>
                             <a:cs typeface="Arial" panose="020B0604020202020204" pitchFamily="34" charset="0"/>
                           </a:rPr>
@@ -4745,6 +4812,7 @@
                         <m:r>
                           <a:rPr lang="en-US" sz="2400" i="1">
                             <a:effectLst/>
+                            <a:latin typeface="Cambria Math" panose="02040503050406030204" pitchFamily="18" charset="0"/>
                             <a:ea typeface="Calibri" panose="020F0502020204030204" pitchFamily="34" charset="0"/>
                             <a:cs typeface="Arial" panose="020B0604020202020204" pitchFamily="34" charset="0"/>
                           </a:rPr>
@@ -4753,6 +4821,7 @@
                         <m:r>
                           <a:rPr lang="en-US" sz="2400" i="1">
                             <a:effectLst/>
+                            <a:latin typeface="Cambria Math" panose="02040503050406030204" pitchFamily="18" charset="0"/>
                             <a:ea typeface="Calibri" panose="020F0502020204030204" pitchFamily="34" charset="0"/>
                             <a:cs typeface="Arial" panose="020B0604020202020204" pitchFamily="34" charset="0"/>
                           </a:rPr>
@@ -4763,6 +4832,7 @@
                         <m:r>
                           <a:rPr lang="en-US" sz="2400" i="1">
                             <a:effectLst/>
+                            <a:latin typeface="Cambria Math" panose="02040503050406030204" pitchFamily="18" charset="0"/>
                             <a:ea typeface="Calibri" panose="020F0502020204030204" pitchFamily="34" charset="0"/>
                             <a:cs typeface="Arial" panose="020B0604020202020204" pitchFamily="34" charset="0"/>
                           </a:rPr>
@@ -4773,6 +4843,7 @@
                     <m:r>
                       <a:rPr lang="en-US" sz="2400" i="1">
                         <a:effectLst/>
+                        <a:latin typeface="Cambria Math" panose="02040503050406030204" pitchFamily="18" charset="0"/>
                         <a:ea typeface="Calibri" panose="020F0502020204030204" pitchFamily="34" charset="0"/>
                         <a:cs typeface="Arial" panose="020B0604020202020204" pitchFamily="34" charset="0"/>
                       </a:rPr>
@@ -4810,6 +4881,7 @@
                         <m:ctrlPr>
                           <a:rPr lang="en-US" sz="2400" i="1">
                             <a:effectLst/>
+                            <a:latin typeface="Cambria Math" panose="02040503050406030204" pitchFamily="18" charset="0"/>
                           </a:rPr>
                         </m:ctrlPr>
                       </m:sSubPr>
@@ -4817,6 +4889,7 @@
                         <m:r>
                           <a:rPr lang="en-US" sz="2400" i="1">
                             <a:effectLst/>
+                            <a:latin typeface="Cambria Math" panose="02040503050406030204" pitchFamily="18" charset="0"/>
                             <a:ea typeface="Calibri" panose="020F0502020204030204" pitchFamily="34" charset="0"/>
                             <a:cs typeface="Arial" panose="020B0604020202020204" pitchFamily="34" charset="0"/>
                           </a:rPr>
@@ -4825,6 +4898,7 @@
                         <m:r>
                           <a:rPr lang="en-US" sz="2400" i="1">
                             <a:effectLst/>
+                            <a:latin typeface="Cambria Math" panose="02040503050406030204" pitchFamily="18" charset="0"/>
                             <a:ea typeface="Calibri" panose="020F0502020204030204" pitchFamily="34" charset="0"/>
                             <a:cs typeface="Arial" panose="020B0604020202020204" pitchFamily="34" charset="0"/>
                           </a:rPr>
@@ -4833,6 +4907,7 @@
                         <m:r>
                           <a:rPr lang="en-US" sz="2400" i="1">
                             <a:effectLst/>
+                            <a:latin typeface="Cambria Math" panose="02040503050406030204" pitchFamily="18" charset="0"/>
                             <a:ea typeface="Calibri" panose="020F0502020204030204" pitchFamily="34" charset="0"/>
                             <a:cs typeface="Arial" panose="020B0604020202020204" pitchFamily="34" charset="0"/>
                           </a:rPr>
@@ -4843,6 +4918,7 @@
                         <m:r>
                           <a:rPr lang="en-US" sz="2400" i="1">
                             <a:effectLst/>
+                            <a:latin typeface="Cambria Math" panose="02040503050406030204" pitchFamily="18" charset="0"/>
                             <a:ea typeface="Calibri" panose="020F0502020204030204" pitchFamily="34" charset="0"/>
                             <a:cs typeface="Arial" panose="020B0604020202020204" pitchFamily="34" charset="0"/>
                           </a:rPr>
@@ -4853,6 +4929,7 @@
                     <m:r>
                       <a:rPr lang="en-US" sz="2400" i="1">
                         <a:effectLst/>
+                        <a:latin typeface="Cambria Math" panose="02040503050406030204" pitchFamily="18" charset="0"/>
                         <a:ea typeface="Calibri" panose="020F0502020204030204" pitchFamily="34" charset="0"/>
                         <a:cs typeface="Arial" panose="020B0604020202020204" pitchFamily="34" charset="0"/>
                       </a:rPr>
@@ -4873,6 +4950,7 @@
                     <m:r>
                       <a:rPr lang="en-US" sz="2400" i="1">
                         <a:effectLst/>
+                        <a:latin typeface="Cambria Math" panose="02040503050406030204" pitchFamily="18" charset="0"/>
                         <a:ea typeface="Calibri" panose="020F0502020204030204" pitchFamily="34" charset="0"/>
                         <a:cs typeface="Arial" panose="020B0604020202020204" pitchFamily="34" charset="0"/>
                       </a:rPr>
@@ -4883,6 +4961,7 @@
                         <m:ctrlPr>
                           <a:rPr lang="en-US" sz="2400" i="1">
                             <a:effectLst/>
+                            <a:latin typeface="Cambria Math" panose="02040503050406030204" pitchFamily="18" charset="0"/>
                           </a:rPr>
                         </m:ctrlPr>
                       </m:dPr>
@@ -4892,6 +4971,7 @@
                             <m:ctrlPr>
                               <a:rPr lang="en-US" sz="2400" i="1">
                                 <a:effectLst/>
+                                <a:latin typeface="Cambria Math" panose="02040503050406030204" pitchFamily="18" charset="0"/>
                               </a:rPr>
                             </m:ctrlPr>
                           </m:sSubPr>
@@ -4899,6 +4979,7 @@
                             <m:r>
                               <a:rPr lang="en-US" sz="2400" i="1">
                                 <a:effectLst/>
+                                <a:latin typeface="Cambria Math" panose="02040503050406030204" pitchFamily="18" charset="0"/>
                                 <a:ea typeface="Calibri" panose="020F0502020204030204" pitchFamily="34" charset="0"/>
                                 <a:cs typeface="Arial" panose="020B0604020202020204" pitchFamily="34" charset="0"/>
                               </a:rPr>
@@ -4909,6 +4990,7 @@
                             <m:r>
                               <a:rPr lang="en-US" sz="2400" i="1">
                                 <a:effectLst/>
+                                <a:latin typeface="Cambria Math" panose="02040503050406030204" pitchFamily="18" charset="0"/>
                                 <a:ea typeface="Calibri" panose="020F0502020204030204" pitchFamily="34" charset="0"/>
                                 <a:cs typeface="Arial" panose="020B0604020202020204" pitchFamily="34" charset="0"/>
                               </a:rPr>
@@ -4933,6 +5015,7 @@
                     <m:r>
                       <a:rPr lang="en-US" sz="2400" i="1">
                         <a:effectLst/>
+                        <a:latin typeface="Cambria Math" panose="02040503050406030204" pitchFamily="18" charset="0"/>
                         <a:ea typeface="Calibri" panose="020F0502020204030204" pitchFamily="34" charset="0"/>
                         <a:cs typeface="Arial" panose="020B0604020202020204" pitchFamily="34" charset="0"/>
                       </a:rPr>
@@ -4943,6 +5026,7 @@
                         <m:ctrlPr>
                           <a:rPr lang="en-US" sz="2400" i="1">
                             <a:effectLst/>
+                            <a:latin typeface="Cambria Math" panose="02040503050406030204" pitchFamily="18" charset="0"/>
                           </a:rPr>
                         </m:ctrlPr>
                       </m:dPr>
@@ -4952,6 +5036,7 @@
                             <m:ctrlPr>
                               <a:rPr lang="en-US" sz="2400" i="1">
                                 <a:effectLst/>
+                                <a:latin typeface="Cambria Math" panose="02040503050406030204" pitchFamily="18" charset="0"/>
                               </a:rPr>
                             </m:ctrlPr>
                           </m:sSubPr>
@@ -4959,6 +5044,7 @@
                             <m:r>
                               <a:rPr lang="en-US" sz="2400" i="1">
                                 <a:effectLst/>
+                                <a:latin typeface="Cambria Math" panose="02040503050406030204" pitchFamily="18" charset="0"/>
                                 <a:ea typeface="Calibri" panose="020F0502020204030204" pitchFamily="34" charset="0"/>
                                 <a:cs typeface="Arial" panose="020B0604020202020204" pitchFamily="34" charset="0"/>
                               </a:rPr>
@@ -4969,6 +5055,7 @@
                             <m:r>
                               <a:rPr lang="en-US" sz="2400" i="1">
                                 <a:effectLst/>
+                                <a:latin typeface="Cambria Math" panose="02040503050406030204" pitchFamily="18" charset="0"/>
                                 <a:ea typeface="Calibri" panose="020F0502020204030204" pitchFamily="34" charset="0"/>
                                 <a:cs typeface="Arial" panose="020B0604020202020204" pitchFamily="34" charset="0"/>
                               </a:rPr>
@@ -4981,6 +5068,7 @@
                     <m:r>
                       <a:rPr lang="en-US" sz="2400" i="1">
                         <a:effectLst/>
+                        <a:latin typeface="Cambria Math" panose="02040503050406030204" pitchFamily="18" charset="0"/>
                         <a:ea typeface="Calibri" panose="020F0502020204030204" pitchFamily="34" charset="0"/>
                         <a:cs typeface="Arial" panose="020B0604020202020204" pitchFamily="34" charset="0"/>
                       </a:rPr>
@@ -5003,6 +5091,7 @@
                         <m:ctrlPr>
                           <a:rPr lang="en-US" sz="2400" i="1">
                             <a:effectLst/>
+                            <a:latin typeface="Cambria Math" panose="02040503050406030204" pitchFamily="18" charset="0"/>
                           </a:rPr>
                         </m:ctrlPr>
                       </m:sSubPr>
@@ -5010,6 +5099,7 @@
                         <m:r>
                           <a:rPr lang="en-US" sz="2400" i="1">
                             <a:effectLst/>
+                            <a:latin typeface="Cambria Math" panose="02040503050406030204" pitchFamily="18" charset="0"/>
                             <a:ea typeface="Calibri" panose="020F0502020204030204" pitchFamily="34" charset="0"/>
                             <a:cs typeface="Arial" panose="020B0604020202020204" pitchFamily="34" charset="0"/>
                           </a:rPr>
@@ -5018,6 +5108,7 @@
                         <m:r>
                           <a:rPr lang="en-US" sz="2400" i="1">
                             <a:effectLst/>
+                            <a:latin typeface="Cambria Math" panose="02040503050406030204" pitchFamily="18" charset="0"/>
                             <a:ea typeface="Calibri" panose="020F0502020204030204" pitchFamily="34" charset="0"/>
                             <a:cs typeface="Arial" panose="020B0604020202020204" pitchFamily="34" charset="0"/>
                           </a:rPr>
@@ -5026,6 +5117,7 @@
                         <m:r>
                           <a:rPr lang="en-US" sz="2400" i="1">
                             <a:effectLst/>
+                            <a:latin typeface="Cambria Math" panose="02040503050406030204" pitchFamily="18" charset="0"/>
                             <a:ea typeface="Calibri" panose="020F0502020204030204" pitchFamily="34" charset="0"/>
                             <a:cs typeface="Arial" panose="020B0604020202020204" pitchFamily="34" charset="0"/>
                           </a:rPr>
@@ -5036,6 +5128,7 @@
                         <m:r>
                           <a:rPr lang="en-US" sz="2400" i="1">
                             <a:effectLst/>
+                            <a:latin typeface="Cambria Math" panose="02040503050406030204" pitchFamily="18" charset="0"/>
                             <a:ea typeface="Calibri" panose="020F0502020204030204" pitchFamily="34" charset="0"/>
                             <a:cs typeface="Arial" panose="020B0604020202020204" pitchFamily="34" charset="0"/>
                           </a:rPr>
@@ -5046,6 +5139,7 @@
                     <m:r>
                       <a:rPr lang="en-US" sz="2400" i="1">
                         <a:effectLst/>
+                        <a:latin typeface="Cambria Math" panose="02040503050406030204" pitchFamily="18" charset="0"/>
                         <a:ea typeface="Calibri" panose="020F0502020204030204" pitchFamily="34" charset="0"/>
                         <a:cs typeface="Arial" panose="020B0604020202020204" pitchFamily="34" charset="0"/>
                       </a:rPr>
@@ -5056,6 +5150,7 @@
                         <m:ctrlPr>
                           <a:rPr lang="en-US" sz="2400" i="1">
                             <a:effectLst/>
+                            <a:latin typeface="Cambria Math" panose="02040503050406030204" pitchFamily="18" charset="0"/>
                           </a:rPr>
                         </m:ctrlPr>
                       </m:sSubPr>
@@ -5065,6 +5160,7 @@
                             <m:ctrlPr>
                               <a:rPr lang="en-US" sz="2400" i="1">
                                 <a:effectLst/>
+                                <a:latin typeface="Cambria Math" panose="02040503050406030204" pitchFamily="18" charset="0"/>
                               </a:rPr>
                             </m:ctrlPr>
                           </m:sSubPr>
@@ -5072,6 +5168,7 @@
                             <m:r>
                               <a:rPr lang="en-US" sz="2400" i="1">
                                 <a:effectLst/>
+                                <a:latin typeface="Cambria Math" panose="02040503050406030204" pitchFamily="18" charset="0"/>
                                 <a:ea typeface="Calibri" panose="020F0502020204030204" pitchFamily="34" charset="0"/>
                                 <a:cs typeface="Arial" panose="020B0604020202020204" pitchFamily="34" charset="0"/>
                               </a:rPr>
@@ -5080,6 +5177,7 @@
                             <m:r>
                               <a:rPr lang="en-US" sz="2400" i="1">
                                 <a:effectLst/>
+                                <a:latin typeface="Cambria Math" panose="02040503050406030204" pitchFamily="18" charset="0"/>
                                 <a:ea typeface="Calibri" panose="020F0502020204030204" pitchFamily="34" charset="0"/>
                                 <a:cs typeface="Arial" panose="020B0604020202020204" pitchFamily="34" charset="0"/>
                               </a:rPr>
@@ -5088,6 +5186,7 @@
                             <m:r>
                               <a:rPr lang="en-US" sz="2400" i="1">
                                 <a:effectLst/>
+                                <a:latin typeface="Cambria Math" panose="02040503050406030204" pitchFamily="18" charset="0"/>
                                 <a:ea typeface="Calibri" panose="020F0502020204030204" pitchFamily="34" charset="0"/>
                                 <a:cs typeface="Arial" panose="020B0604020202020204" pitchFamily="34" charset="0"/>
                               </a:rPr>
@@ -5098,6 +5197,7 @@
                             <m:r>
                               <a:rPr lang="en-US" sz="2400" i="1">
                                 <a:effectLst/>
+                                <a:latin typeface="Cambria Math" panose="02040503050406030204" pitchFamily="18" charset="0"/>
                                 <a:ea typeface="Calibri" panose="020F0502020204030204" pitchFamily="34" charset="0"/>
                                 <a:cs typeface="Arial" panose="020B0604020202020204" pitchFamily="34" charset="0"/>
                               </a:rPr>
@@ -5108,6 +5208,7 @@
                         <m:r>
                           <a:rPr lang="en-US" sz="2400" i="1">
                             <a:effectLst/>
+                            <a:latin typeface="Cambria Math" panose="02040503050406030204" pitchFamily="18" charset="0"/>
                             <a:ea typeface="Calibri" panose="020F0502020204030204" pitchFamily="34" charset="0"/>
                             <a:cs typeface="Arial" panose="020B0604020202020204" pitchFamily="34" charset="0"/>
                           </a:rPr>
@@ -5116,6 +5217,7 @@
                         <m:r>
                           <a:rPr lang="en-US" sz="2400" i="1">
                             <a:effectLst/>
+                            <a:latin typeface="Cambria Math" panose="02040503050406030204" pitchFamily="18" charset="0"/>
                             <a:ea typeface="Calibri" panose="020F0502020204030204" pitchFamily="34" charset="0"/>
                             <a:cs typeface="Arial" panose="020B0604020202020204" pitchFamily="34" charset="0"/>
                           </a:rPr>
@@ -5124,6 +5226,7 @@
                         <m:r>
                           <a:rPr lang="en-US" sz="2400" i="1">
                             <a:effectLst/>
+                            <a:latin typeface="Cambria Math" panose="02040503050406030204" pitchFamily="18" charset="0"/>
                             <a:ea typeface="Calibri" panose="020F0502020204030204" pitchFamily="34" charset="0"/>
                             <a:cs typeface="Arial" panose="020B0604020202020204" pitchFamily="34" charset="0"/>
                           </a:rPr>
@@ -5132,6 +5235,7 @@
                         <m:r>
                           <a:rPr lang="en-US" sz="2400" i="1">
                             <a:effectLst/>
+                            <a:latin typeface="Cambria Math" panose="02040503050406030204" pitchFamily="18" charset="0"/>
                             <a:ea typeface="Calibri" panose="020F0502020204030204" pitchFamily="34" charset="0"/>
                             <a:cs typeface="Arial" panose="020B0604020202020204" pitchFamily="34" charset="0"/>
                           </a:rPr>
@@ -5142,6 +5246,7 @@
                         <m:r>
                           <a:rPr lang="en-US" sz="2400" i="1">
                             <a:effectLst/>
+                            <a:latin typeface="Cambria Math" panose="02040503050406030204" pitchFamily="18" charset="0"/>
                             <a:ea typeface="Calibri" panose="020F0502020204030204" pitchFamily="34" charset="0"/>
                             <a:cs typeface="Arial" panose="020B0604020202020204" pitchFamily="34" charset="0"/>
                           </a:rPr>
@@ -5152,6 +5257,7 @@
                     <m:r>
                       <a:rPr lang="en-US" sz="2400" i="1">
                         <a:effectLst/>
+                        <a:latin typeface="Cambria Math" panose="02040503050406030204" pitchFamily="18" charset="0"/>
                         <a:ea typeface="Calibri" panose="020F0502020204030204" pitchFamily="34" charset="0"/>
                         <a:cs typeface="Arial" panose="020B0604020202020204" pitchFamily="34" charset="0"/>
                       </a:rPr>
@@ -5162,6 +5268,7 @@
                         <m:ctrlPr>
                           <a:rPr lang="en-US" sz="2400" i="1">
                             <a:effectLst/>
+                            <a:latin typeface="Cambria Math" panose="02040503050406030204" pitchFamily="18" charset="0"/>
                           </a:rPr>
                         </m:ctrlPr>
                       </m:sSubPr>
@@ -5169,6 +5276,7 @@
                         <m:r>
                           <a:rPr lang="en-US" sz="2400" i="1">
                             <a:effectLst/>
+                            <a:latin typeface="Cambria Math" panose="02040503050406030204" pitchFamily="18" charset="0"/>
                             <a:ea typeface="Calibri" panose="020F0502020204030204" pitchFamily="34" charset="0"/>
                             <a:cs typeface="Arial" panose="020B0604020202020204" pitchFamily="34" charset="0"/>
                           </a:rPr>
@@ -5179,6 +5287,7 @@
                         <m:r>
                           <a:rPr lang="en-US" sz="2400" i="1">
                             <a:effectLst/>
+                            <a:latin typeface="Cambria Math" panose="02040503050406030204" pitchFamily="18" charset="0"/>
                             <a:ea typeface="Calibri" panose="020F0502020204030204" pitchFamily="34" charset="0"/>
                             <a:cs typeface="Arial" panose="020B0604020202020204" pitchFamily="34" charset="0"/>
                           </a:rPr>
@@ -5189,6 +5298,7 @@
                     <m:r>
                       <a:rPr lang="en-US" sz="2400" i="1">
                         <a:effectLst/>
+                        <a:latin typeface="Cambria Math" panose="02040503050406030204" pitchFamily="18" charset="0"/>
                         <a:ea typeface="Calibri" panose="020F0502020204030204" pitchFamily="34" charset="0"/>
                         <a:cs typeface="Arial" panose="020B0604020202020204" pitchFamily="34" charset="0"/>
                       </a:rPr>
@@ -5211,6 +5321,7 @@
                         <m:ctrlPr>
                           <a:rPr lang="en-US" sz="2400" i="1">
                             <a:effectLst/>
+                            <a:latin typeface="Cambria Math" panose="02040503050406030204" pitchFamily="18" charset="0"/>
                           </a:rPr>
                         </m:ctrlPr>
                       </m:sSubPr>
@@ -5218,6 +5329,7 @@
                         <m:r>
                           <a:rPr lang="en-US" sz="2400" i="1">
                             <a:effectLst/>
+                            <a:latin typeface="Cambria Math" panose="02040503050406030204" pitchFamily="18" charset="0"/>
                             <a:ea typeface="Calibri" panose="020F0502020204030204" pitchFamily="34" charset="0"/>
                             <a:cs typeface="Arial" panose="020B0604020202020204" pitchFamily="34" charset="0"/>
                           </a:rPr>
@@ -5226,6 +5338,7 @@
                         <m:r>
                           <a:rPr lang="en-US" sz="2400" i="1">
                             <a:effectLst/>
+                            <a:latin typeface="Cambria Math" panose="02040503050406030204" pitchFamily="18" charset="0"/>
                             <a:ea typeface="Calibri" panose="020F0502020204030204" pitchFamily="34" charset="0"/>
                             <a:cs typeface="Arial" panose="020B0604020202020204" pitchFamily="34" charset="0"/>
                           </a:rPr>
@@ -5234,6 +5347,7 @@
                         <m:r>
                           <a:rPr lang="en-US" sz="2400" i="1">
                             <a:effectLst/>
+                            <a:latin typeface="Cambria Math" panose="02040503050406030204" pitchFamily="18" charset="0"/>
                             <a:ea typeface="Calibri" panose="020F0502020204030204" pitchFamily="34" charset="0"/>
                             <a:cs typeface="Arial" panose="020B0604020202020204" pitchFamily="34" charset="0"/>
                           </a:rPr>
@@ -5244,6 +5358,7 @@
                         <m:r>
                           <a:rPr lang="en-US" sz="2400" i="1">
                             <a:effectLst/>
+                            <a:latin typeface="Cambria Math" panose="02040503050406030204" pitchFamily="18" charset="0"/>
                             <a:ea typeface="Calibri" panose="020F0502020204030204" pitchFamily="34" charset="0"/>
                             <a:cs typeface="Arial" panose="020B0604020202020204" pitchFamily="34" charset="0"/>
                           </a:rPr>
@@ -5254,6 +5369,7 @@
                     <m:r>
                       <a:rPr lang="en-US" sz="2400" i="1">
                         <a:effectLst/>
+                        <a:latin typeface="Cambria Math" panose="02040503050406030204" pitchFamily="18" charset="0"/>
                         <a:ea typeface="Calibri" panose="020F0502020204030204" pitchFamily="34" charset="0"/>
                         <a:cs typeface="Arial" panose="020B0604020202020204" pitchFamily="34" charset="0"/>
                       </a:rPr>
@@ -5274,6 +5390,7 @@
                     <m:r>
                       <a:rPr lang="en-US" sz="2400" i="1">
                         <a:effectLst/>
+                        <a:latin typeface="Cambria Math" panose="02040503050406030204" pitchFamily="18" charset="0"/>
                         <a:ea typeface="Calibri" panose="020F0502020204030204" pitchFamily="34" charset="0"/>
                         <a:cs typeface="Arial" panose="020B0604020202020204" pitchFamily="34" charset="0"/>
                       </a:rPr>
@@ -5284,6 +5401,7 @@
                         <m:ctrlPr>
                           <a:rPr lang="en-US" sz="2400" i="1">
                             <a:effectLst/>
+                            <a:latin typeface="Cambria Math" panose="02040503050406030204" pitchFamily="18" charset="0"/>
                           </a:rPr>
                         </m:ctrlPr>
                       </m:dPr>
@@ -5293,6 +5411,7 @@
                             <m:ctrlPr>
                               <a:rPr lang="en-US" sz="2400" i="1">
                                 <a:effectLst/>
+                                <a:latin typeface="Cambria Math" panose="02040503050406030204" pitchFamily="18" charset="0"/>
                               </a:rPr>
                             </m:ctrlPr>
                           </m:sSubPr>
@@ -5300,6 +5419,7 @@
                             <m:r>
                               <a:rPr lang="en-US" sz="2400" i="1">
                                 <a:effectLst/>
+                                <a:latin typeface="Cambria Math" panose="02040503050406030204" pitchFamily="18" charset="0"/>
                                 <a:ea typeface="Calibri" panose="020F0502020204030204" pitchFamily="34" charset="0"/>
                                 <a:cs typeface="Arial" panose="020B0604020202020204" pitchFamily="34" charset="0"/>
                               </a:rPr>
@@ -5310,6 +5430,7 @@
                             <m:r>
                               <a:rPr lang="en-US" sz="2400" i="1">
                                 <a:effectLst/>
+                                <a:latin typeface="Cambria Math" panose="02040503050406030204" pitchFamily="18" charset="0"/>
                                 <a:ea typeface="Calibri" panose="020F0502020204030204" pitchFamily="34" charset="0"/>
                                 <a:cs typeface="Arial" panose="020B0604020202020204" pitchFamily="34" charset="0"/>
                               </a:rPr>
@@ -5322,6 +5443,7 @@
                     <m:r>
                       <a:rPr lang="en-US" sz="2400" i="1">
                         <a:effectLst/>
+                        <a:latin typeface="Cambria Math" panose="02040503050406030204" pitchFamily="18" charset="0"/>
                         <a:ea typeface="Calibri" panose="020F0502020204030204" pitchFamily="34" charset="0"/>
                         <a:cs typeface="Arial" panose="020B0604020202020204" pitchFamily="34" charset="0"/>
                       </a:rPr>
@@ -5344,6 +5466,7 @@
                         <m:ctrlPr>
                           <a:rPr lang="en-US" sz="2400" i="1">
                             <a:effectLst/>
+                            <a:latin typeface="Cambria Math" panose="02040503050406030204" pitchFamily="18" charset="0"/>
                           </a:rPr>
                         </m:ctrlPr>
                       </m:sSubPr>
@@ -5353,6 +5476,7 @@
                             <m:ctrlPr>
                               <a:rPr lang="en-US" sz="2400" i="1">
                                 <a:effectLst/>
+                                <a:latin typeface="Cambria Math" panose="02040503050406030204" pitchFamily="18" charset="0"/>
                                 <a:ea typeface="Times New Roman" panose="02020603050405020304" pitchFamily="18" charset="0"/>
                               </a:rPr>
                             </m:ctrlPr>
@@ -5361,6 +5485,7 @@
                             <m:r>
                               <a:rPr lang="en-US" sz="2400" i="1">
                                 <a:effectLst/>
+                                <a:latin typeface="Cambria Math" panose="02040503050406030204" pitchFamily="18" charset="0"/>
                                 <a:ea typeface="Times New Roman" panose="02020603050405020304" pitchFamily="18" charset="0"/>
                                 <a:cs typeface="Arial" panose="020B0604020202020204" pitchFamily="34" charset="0"/>
                               </a:rPr>
@@ -5371,6 +5496,7 @@
                             <m:r>
                               <a:rPr lang="en-US" sz="2400" i="1">
                                 <a:effectLst/>
+                                <a:latin typeface="Cambria Math" panose="02040503050406030204" pitchFamily="18" charset="0"/>
                                 <a:ea typeface="Times New Roman" panose="02020603050405020304" pitchFamily="18" charset="0"/>
                                 <a:cs typeface="Arial" panose="020B0604020202020204" pitchFamily="34" charset="0"/>
                               </a:rPr>
@@ -5381,6 +5507,7 @@
                         <m:r>
                           <a:rPr lang="en-US" sz="2400" i="1">
                             <a:effectLst/>
+                            <a:latin typeface="Cambria Math" panose="02040503050406030204" pitchFamily="18" charset="0"/>
                             <a:ea typeface="Calibri" panose="020F0502020204030204" pitchFamily="34" charset="0"/>
                             <a:cs typeface="Arial" panose="020B0604020202020204" pitchFamily="34" charset="0"/>
                           </a:rPr>
@@ -5389,6 +5516,7 @@
                         <m:r>
                           <a:rPr lang="en-US" sz="2400" i="1">
                             <a:effectLst/>
+                            <a:latin typeface="Cambria Math" panose="02040503050406030204" pitchFamily="18" charset="0"/>
                             <a:ea typeface="Calibri" panose="020F0502020204030204" pitchFamily="34" charset="0"/>
                             <a:cs typeface="Arial" panose="020B0604020202020204" pitchFamily="34" charset="0"/>
                           </a:rPr>
@@ -5399,6 +5527,7 @@
                         <m:r>
                           <a:rPr lang="en-US" sz="2400" i="1">
                             <a:effectLst/>
+                            <a:latin typeface="Cambria Math" panose="02040503050406030204" pitchFamily="18" charset="0"/>
                             <a:ea typeface="Calibri" panose="020F0502020204030204" pitchFamily="34" charset="0"/>
                             <a:cs typeface="Arial" panose="020B0604020202020204" pitchFamily="34" charset="0"/>
                           </a:rPr>
@@ -5409,6 +5538,7 @@
                     <m:r>
                       <a:rPr lang="en-US" sz="2400" i="1">
                         <a:effectLst/>
+                        <a:latin typeface="Cambria Math" panose="02040503050406030204" pitchFamily="18" charset="0"/>
                         <a:ea typeface="Calibri" panose="020F0502020204030204" pitchFamily="34" charset="0"/>
                         <a:cs typeface="Arial" panose="020B0604020202020204" pitchFamily="34" charset="0"/>
                       </a:rPr>
@@ -5417,6 +5547,7 @@
                     <m:r>
                       <a:rPr lang="en-US" sz="2400">
                         <a:effectLst/>
+                        <a:latin typeface="Cambria Math" panose="02040503050406030204" pitchFamily="18" charset="0"/>
                         <a:ea typeface="Times New Roman" panose="02020603050405020304" pitchFamily="18" charset="0"/>
                         <a:cs typeface="Arial" panose="020B0604020202020204" pitchFamily="34" charset="0"/>
                       </a:rPr>
@@ -5427,6 +5558,7 @@
                         <m:ctrlPr>
                           <a:rPr lang="en-US" sz="2400" i="1">
                             <a:effectLst/>
+                            <a:latin typeface="Cambria Math" panose="02040503050406030204" pitchFamily="18" charset="0"/>
                           </a:rPr>
                         </m:ctrlPr>
                       </m:sSubPr>
@@ -5436,6 +5568,7 @@
                             <m:ctrlPr>
                               <a:rPr lang="en-US" sz="2400" i="1">
                                 <a:effectLst/>
+                                <a:latin typeface="Cambria Math" panose="02040503050406030204" pitchFamily="18" charset="0"/>
                                 <a:ea typeface="Times New Roman" panose="02020603050405020304" pitchFamily="18" charset="0"/>
                               </a:rPr>
                             </m:ctrlPr>
@@ -5444,6 +5577,7 @@
                             <m:r>
                               <a:rPr lang="en-US" sz="2400" i="1">
                                 <a:effectLst/>
+                                <a:latin typeface="Cambria Math" panose="02040503050406030204" pitchFamily="18" charset="0"/>
                                 <a:ea typeface="Times New Roman" panose="02020603050405020304" pitchFamily="18" charset="0"/>
                                 <a:cs typeface="Arial" panose="020B0604020202020204" pitchFamily="34" charset="0"/>
                               </a:rPr>
@@ -5454,6 +5588,7 @@
                             <m:r>
                               <a:rPr lang="en-US" sz="2400" i="1">
                                 <a:effectLst/>
+                                <a:latin typeface="Cambria Math" panose="02040503050406030204" pitchFamily="18" charset="0"/>
                                 <a:ea typeface="Times New Roman" panose="02020603050405020304" pitchFamily="18" charset="0"/>
                                 <a:cs typeface="Arial" panose="020B0604020202020204" pitchFamily="34" charset="0"/>
                               </a:rPr>
@@ -5464,6 +5599,7 @@
                         <m:r>
                           <a:rPr lang="en-US" sz="2400" i="1">
                             <a:effectLst/>
+                            <a:latin typeface="Cambria Math" panose="02040503050406030204" pitchFamily="18" charset="0"/>
                             <a:ea typeface="Calibri" panose="020F0502020204030204" pitchFamily="34" charset="0"/>
                             <a:cs typeface="Arial" panose="020B0604020202020204" pitchFamily="34" charset="0"/>
                           </a:rPr>
@@ -5472,6 +5608,7 @@
                         <m:r>
                           <a:rPr lang="en-US" sz="2400" i="1">
                             <a:effectLst/>
+                            <a:latin typeface="Cambria Math" panose="02040503050406030204" pitchFamily="18" charset="0"/>
                             <a:ea typeface="Calibri" panose="020F0502020204030204" pitchFamily="34" charset="0"/>
                             <a:cs typeface="Arial" panose="020B0604020202020204" pitchFamily="34" charset="0"/>
                           </a:rPr>
@@ -5482,6 +5619,7 @@
                         <m:r>
                           <a:rPr lang="en-US" sz="2400" i="1">
                             <a:effectLst/>
+                            <a:latin typeface="Cambria Math" panose="02040503050406030204" pitchFamily="18" charset="0"/>
                             <a:ea typeface="Calibri" panose="020F0502020204030204" pitchFamily="34" charset="0"/>
                             <a:cs typeface="Arial" panose="020B0604020202020204" pitchFamily="34" charset="0"/>
                           </a:rPr>
@@ -5492,6 +5630,7 @@
                     <m:r>
                       <a:rPr lang="en-US" sz="2400" i="1">
                         <a:effectLst/>
+                        <a:latin typeface="Cambria Math" panose="02040503050406030204" pitchFamily="18" charset="0"/>
                         <a:ea typeface="Calibri" panose="020F0502020204030204" pitchFamily="34" charset="0"/>
                         <a:cs typeface="Arial" panose="020B0604020202020204" pitchFamily="34" charset="0"/>
                       </a:rPr>
@@ -5502,6 +5641,7 @@
                         <m:ctrlPr>
                           <a:rPr lang="en-US" sz="2400" i="1">
                             <a:effectLst/>
+                            <a:latin typeface="Cambria Math" panose="02040503050406030204" pitchFamily="18" charset="0"/>
                           </a:rPr>
                         </m:ctrlPr>
                       </m:sSubPr>
@@ -5511,6 +5651,7 @@
                             <m:ctrlPr>
                               <a:rPr lang="en-US" sz="2400" i="1">
                                 <a:effectLst/>
+                                <a:latin typeface="Cambria Math" panose="02040503050406030204" pitchFamily="18" charset="0"/>
                                 <a:ea typeface="Times New Roman" panose="02020603050405020304" pitchFamily="18" charset="0"/>
                               </a:rPr>
                             </m:ctrlPr>
@@ -5519,6 +5660,7 @@
                             <m:r>
                               <a:rPr lang="en-US" sz="2400" i="1">
                                 <a:effectLst/>
+                                <a:latin typeface="Cambria Math" panose="02040503050406030204" pitchFamily="18" charset="0"/>
                                 <a:ea typeface="Times New Roman" panose="02020603050405020304" pitchFamily="18" charset="0"/>
                                 <a:cs typeface="Arial" panose="020B0604020202020204" pitchFamily="34" charset="0"/>
                               </a:rPr>
@@ -5529,6 +5671,7 @@
                             <m:r>
                               <a:rPr lang="en-US" sz="2400" i="1">
                                 <a:effectLst/>
+                                <a:latin typeface="Cambria Math" panose="02040503050406030204" pitchFamily="18" charset="0"/>
                                 <a:ea typeface="Times New Roman" panose="02020603050405020304" pitchFamily="18" charset="0"/>
                                 <a:cs typeface="Arial" panose="020B0604020202020204" pitchFamily="34" charset="0"/>
                               </a:rPr>
@@ -5541,6 +5684,7 @@
                         <m:r>
                           <a:rPr lang="en-US" sz="2400" i="1">
                             <a:effectLst/>
+                            <a:latin typeface="Cambria Math" panose="02040503050406030204" pitchFamily="18" charset="0"/>
                             <a:ea typeface="Calibri" panose="020F0502020204030204" pitchFamily="34" charset="0"/>
                             <a:cs typeface="Arial" panose="020B0604020202020204" pitchFamily="34" charset="0"/>
                           </a:rPr>
@@ -5554,6 +5698,7 @@
                       </m:rPr>
                       <a:rPr lang="en-US" sz="2400" i="1">
                         <a:effectLst/>
+                        <a:latin typeface="Cambria Math" panose="02040503050406030204" pitchFamily="18" charset="0"/>
                         <a:ea typeface="Calibri" panose="020F0502020204030204" pitchFamily="34" charset="0"/>
                         <a:cs typeface="Arial" panose="020B0604020202020204" pitchFamily="34" charset="0"/>
                       </a:rPr>
@@ -5562,6 +5707,7 @@
                     <m:r>
                       <a:rPr lang="en-US" sz="2400" i="1">
                         <a:effectLst/>
+                        <a:latin typeface="Cambria Math" panose="02040503050406030204" pitchFamily="18" charset="0"/>
                         <a:ea typeface="Times New Roman" panose="02020603050405020304" pitchFamily="18" charset="0"/>
                         <a:cs typeface="Arial" panose="020B0604020202020204" pitchFamily="34" charset="0"/>
                       </a:rPr>
@@ -5601,7 +5747,7 @@
             </p:txBody>
           </p:sp>
         </mc:Choice>
-        <mc:Fallback>
+        <mc:Fallback xmlns="">
           <p:sp>
             <p:nvSpPr>
               <p:cNvPr id="3" name="Content Placeholder 2"/>
@@ -5697,8 +5843,8 @@
           </a:p>
         </p:txBody>
       </p:sp>
-      <mc:AlternateContent xmlns:mc="http://schemas.openxmlformats.org/markup-compatibility/2006">
-        <mc:Choice xmlns:a14="http://schemas.microsoft.com/office/drawing/2010/main" Requires="a14">
+      <mc:AlternateContent xmlns:mc="http://schemas.openxmlformats.org/markup-compatibility/2006" xmlns:a14="http://schemas.microsoft.com/office/drawing/2010/main">
+        <mc:Choice Requires="a14">
           <p:sp>
             <p:nvSpPr>
               <p:cNvPr id="3" name="Content Placeholder 2"/>
@@ -7263,7 +7409,7 @@
             </p:txBody>
           </p:sp>
         </mc:Choice>
-        <mc:Fallback>
+        <mc:Fallback xmlns="">
           <p:sp>
             <p:nvSpPr>
               <p:cNvPr id="3" name="Content Placeholder 2"/>
@@ -18374,8 +18520,8 @@
           </a:p>
         </p:txBody>
       </p:sp>
-      <mc:AlternateContent xmlns:mc="http://schemas.openxmlformats.org/markup-compatibility/2006" xmlns:a14="http://schemas.microsoft.com/office/drawing/2010/main">
-        <mc:Choice Requires="a14">
+      <mc:AlternateContent xmlns:mc="http://schemas.openxmlformats.org/markup-compatibility/2006">
+        <mc:Choice xmlns:a14="http://schemas.microsoft.com/office/drawing/2010/main" Requires="a14">
           <p:sp>
             <p:nvSpPr>
               <p:cNvPr id="3" name="Content Placeholder 2"/>
@@ -18619,7 +18765,24 @@
                     <a:ea typeface="Calibri" panose="020F0502020204030204" pitchFamily="34" charset="0"/>
                     <a:cs typeface="Times New Roman" panose="02020603050405020304" pitchFamily="18" charset="0"/>
                   </a:rPr>
-                  <a:t> is a predefined value (percentage). If one uses 50% that would lead us to find probability for the standardized ratio for the </a:t>
+                  <a:t> is a predefined value. If one uses </a:t>
+                </a:r>
+                <a:r>
+                  <a:rPr lang="en-US" dirty="0">
+                    <a:latin typeface="Calibri" panose="020F0502020204030204" pitchFamily="34" charset="0"/>
+                    <a:ea typeface="Calibri" panose="020F0502020204030204" pitchFamily="34" charset="0"/>
+                    <a:cs typeface="Times New Roman" panose="02020603050405020304" pitchFamily="18" charset="0"/>
+                  </a:rPr>
+                  <a:t>1.5</a:t>
+                </a:r>
+                <a:r>
+                  <a:rPr lang="en-US" dirty="0">
+                    <a:effectLst/>
+                    <a:latin typeface="Calibri" panose="020F0502020204030204" pitchFamily="34" charset="0"/>
+                    <a:ea typeface="Calibri" panose="020F0502020204030204" pitchFamily="34" charset="0"/>
+                    <a:cs typeface="Times New Roman" panose="02020603050405020304" pitchFamily="18" charset="0"/>
+                  </a:rPr>
+                  <a:t> that would lead us to find probability for the standardized ratio for the </a:t>
                 </a:r>
                 <a:r>
                   <a:rPr lang="en-US" dirty="0" err="1">
@@ -18664,7 +18827,7 @@
             </p:txBody>
           </p:sp>
         </mc:Choice>
-        <mc:Fallback xmlns="">
+        <mc:Fallback>
           <p:sp>
             <p:nvSpPr>
               <p:cNvPr id="3" name="Content Placeholder 2"/>
@@ -19475,8 +19638,8 @@
           </a:p>
         </p:txBody>
       </p:sp>
-      <mc:AlternateContent xmlns:mc="http://schemas.openxmlformats.org/markup-compatibility/2006">
-        <mc:Choice xmlns:a14="http://schemas.microsoft.com/office/drawing/2010/main" Requires="a14">
+      <mc:AlternateContent xmlns:mc="http://schemas.openxmlformats.org/markup-compatibility/2006" xmlns:a14="http://schemas.microsoft.com/office/drawing/2010/main">
+        <mc:Choice Requires="a14">
           <p:sp>
             <p:nvSpPr>
               <p:cNvPr id="3" name="Content Placeholder 2">
@@ -19917,7 +20080,7 @@
             </p:txBody>
           </p:sp>
         </mc:Choice>
-        <mc:Fallback>
+        <mc:Fallback xmlns="">
           <p:sp>
             <p:nvSpPr>
               <p:cNvPr id="3" name="Content Placeholder 2">
@@ -20027,8 +20190,8 @@
           </a:p>
         </p:txBody>
       </p:sp>
-      <mc:AlternateContent xmlns:mc="http://schemas.openxmlformats.org/markup-compatibility/2006">
-        <mc:Choice xmlns:a14="http://schemas.microsoft.com/office/drawing/2010/main" Requires="a14">
+      <mc:AlternateContent xmlns:mc="http://schemas.openxmlformats.org/markup-compatibility/2006" xmlns:a14="http://schemas.microsoft.com/office/drawing/2010/main">
+        <mc:Choice Requires="a14">
           <p:sp>
             <p:nvSpPr>
               <p:cNvPr id="3" name="Content Placeholder 2">
@@ -20181,7 +20344,7 @@
             </p:txBody>
           </p:sp>
         </mc:Choice>
-        <mc:Fallback>
+        <mc:Fallback xmlns="">
           <p:sp>
             <p:nvSpPr>
               <p:cNvPr id="3" name="Content Placeholder 2">
@@ -24612,7 +24775,7 @@
           <a:p>
             <a:r>
               <a:rPr lang="en-US" dirty="0"/>
-              <a:t>If in a certain jurisdiction, infrastructure only allows to detect presence of Marijuana and Cocaine (types of illegal substance),  but not Ketamine, we will not be able not know whether a person used Ketamine. This would contribute to underreporting of aggregated data at the jurisdiction.</a:t>
+              <a:t>If in a certain jurisdiction, infrastructure only allows to detect presence of Marijuana and Cocaine (types of illegal substance),  but not Ketamine, we will not be able to know whether a person used Ketamine. This would contribute to underreporting of aggregated data at the jurisdiction.</a:t>
             </a:r>
           </a:p>
           <a:p>
@@ -25263,7 +25426,7 @@
           <a:p>
             <a:r>
               <a:rPr lang="en-US" dirty="0"/>
-              <a:t>Lower time resolution data are more reliable than granular level tie series</a:t>
+              <a:t>Lower time resolution data are more reliable than granular level time series</a:t>
             </a:r>
           </a:p>
           <a:p>
@@ -25275,7 +25438,7 @@
           <a:p>
             <a:r>
               <a:rPr lang="en-US" dirty="0"/>
-              <a:t>If we still need daily level analysis: Downscaling approach can be helpful – using weekly level data get predictions at daily level</a:t>
+              <a:t>If we still need daily level analysis: Downscaling approach can be helpful – using weekly level data to get predictions at daily level</a:t>
             </a:r>
           </a:p>
         </p:txBody>
